--- a/设计文档/架构图.pptx
+++ b/设计文档/架构图.pptx
@@ -1,14 +1,17 @@
 
 <file path=ppt/presentation.xml><?xml version="1.0" encoding="utf-8"?>
-<p:presentation xmlns:a="http://schemas.openxmlformats.org/drawingml/2006/main" xmlns:r="http://schemas.openxmlformats.org/officeDocument/2006/relationships" xmlns:p="http://schemas.openxmlformats.org/presentationml/2006/main" saveSubsetFonts="1">
+<p:presentation xmlns:a="http://schemas.openxmlformats.org/drawingml/2006/main" xmlns:r="http://schemas.openxmlformats.org/officeDocument/2006/relationships" xmlns:p="http://schemas.openxmlformats.org/presentationml/2006/main">
   <p:sldMasterIdLst>
     <p:sldMasterId id="2147483648" r:id="rId1"/>
   </p:sldMasterIdLst>
   <p:sldIdLst>
-    <p:sldId id="256" r:id="rId2"/>
+    <p:sldId id="256" r:id="rId3"/>
   </p:sldIdLst>
   <p:sldSz cx="9144000" cy="6858000" type="screen4x3"/>
   <p:notesSz cx="6858000" cy="9144000"/>
+  <p:custDataLst>
+    <p:tags r:id="rId7"/>
+  </p:custDataLst>
   <p:defaultTextStyle>
     <a:defPPr>
       <a:defRPr lang="zh-CN"/>
@@ -288,8 +291,6 @@
           <a:p>
             <a:fld id="{79999C13-7D73-4A87-8CC5-7FBB81244F5A}" type="datetimeFigureOut">
               <a:rPr lang="zh-CN" altLang="en-US" smtClean="0"/>
-              <a:pPr/>
-              <a:t>2019/10/10</a:t>
             </a:fld>
             <a:endParaRPr lang="zh-CN" altLang="en-US"/>
           </a:p>
@@ -331,8 +332,6 @@
           <a:p>
             <a:fld id="{A6C52A36-E8E0-4FC5-AA23-9B55DFB21044}" type="slidenum">
               <a:rPr lang="zh-CN" altLang="en-US" smtClean="0"/>
-              <a:pPr/>
-              <a:t>‹#›</a:t>
             </a:fld>
             <a:endParaRPr lang="zh-CN" altLang="en-US"/>
           </a:p>
@@ -406,6 +405,7 @@
               <a:rPr lang="zh-CN" altLang="en-US" smtClean="0"/>
               <a:t>单击此处编辑母版文本样式</a:t>
             </a:r>
+            <a:endParaRPr lang="zh-CN" altLang="en-US" smtClean="0"/>
           </a:p>
           <a:p>
             <a:pPr lvl="1"/>
@@ -413,6 +413,7 @@
               <a:rPr lang="zh-CN" altLang="en-US" smtClean="0"/>
               <a:t>第二级</a:t>
             </a:r>
+            <a:endParaRPr lang="zh-CN" altLang="en-US" smtClean="0"/>
           </a:p>
           <a:p>
             <a:pPr lvl="2"/>
@@ -420,6 +421,7 @@
               <a:rPr lang="zh-CN" altLang="en-US" smtClean="0"/>
               <a:t>第三级</a:t>
             </a:r>
+            <a:endParaRPr lang="zh-CN" altLang="en-US" smtClean="0"/>
           </a:p>
           <a:p>
             <a:pPr lvl="3"/>
@@ -427,6 +429,7 @@
               <a:rPr lang="zh-CN" altLang="en-US" smtClean="0"/>
               <a:t>第四级</a:t>
             </a:r>
+            <a:endParaRPr lang="zh-CN" altLang="en-US" smtClean="0"/>
           </a:p>
           <a:p>
             <a:pPr lvl="4"/>
@@ -455,8 +458,6 @@
           <a:p>
             <a:fld id="{79999C13-7D73-4A87-8CC5-7FBB81244F5A}" type="datetimeFigureOut">
               <a:rPr lang="zh-CN" altLang="en-US" smtClean="0"/>
-              <a:pPr/>
-              <a:t>2019/10/10</a:t>
             </a:fld>
             <a:endParaRPr lang="zh-CN" altLang="en-US"/>
           </a:p>
@@ -498,8 +499,6 @@
           <a:p>
             <a:fld id="{A6C52A36-E8E0-4FC5-AA23-9B55DFB21044}" type="slidenum">
               <a:rPr lang="zh-CN" altLang="en-US" smtClean="0"/>
-              <a:pPr/>
-              <a:t>‹#›</a:t>
             </a:fld>
             <a:endParaRPr lang="zh-CN" altLang="en-US"/>
           </a:p>
@@ -583,6 +582,7 @@
               <a:rPr lang="zh-CN" altLang="en-US" smtClean="0"/>
               <a:t>单击此处编辑母版文本样式</a:t>
             </a:r>
+            <a:endParaRPr lang="zh-CN" altLang="en-US" smtClean="0"/>
           </a:p>
           <a:p>
             <a:pPr lvl="1"/>
@@ -590,6 +590,7 @@
               <a:rPr lang="zh-CN" altLang="en-US" smtClean="0"/>
               <a:t>第二级</a:t>
             </a:r>
+            <a:endParaRPr lang="zh-CN" altLang="en-US" smtClean="0"/>
           </a:p>
           <a:p>
             <a:pPr lvl="2"/>
@@ -597,6 +598,7 @@
               <a:rPr lang="zh-CN" altLang="en-US" smtClean="0"/>
               <a:t>第三级</a:t>
             </a:r>
+            <a:endParaRPr lang="zh-CN" altLang="en-US" smtClean="0"/>
           </a:p>
           <a:p>
             <a:pPr lvl="3"/>
@@ -604,6 +606,7 @@
               <a:rPr lang="zh-CN" altLang="en-US" smtClean="0"/>
               <a:t>第四级</a:t>
             </a:r>
+            <a:endParaRPr lang="zh-CN" altLang="en-US" smtClean="0"/>
           </a:p>
           <a:p>
             <a:pPr lvl="4"/>
@@ -632,8 +635,6 @@
           <a:p>
             <a:fld id="{79999C13-7D73-4A87-8CC5-7FBB81244F5A}" type="datetimeFigureOut">
               <a:rPr lang="zh-CN" altLang="en-US" smtClean="0"/>
-              <a:pPr/>
-              <a:t>2019/10/10</a:t>
             </a:fld>
             <a:endParaRPr lang="zh-CN" altLang="en-US"/>
           </a:p>
@@ -675,8 +676,6 @@
           <a:p>
             <a:fld id="{A6C52A36-E8E0-4FC5-AA23-9B55DFB21044}" type="slidenum">
               <a:rPr lang="zh-CN" altLang="en-US" smtClean="0"/>
-              <a:pPr/>
-              <a:t>‹#›</a:t>
             </a:fld>
             <a:endParaRPr lang="zh-CN" altLang="en-US"/>
           </a:p>
@@ -750,6 +749,7 @@
               <a:rPr lang="zh-CN" altLang="en-US" smtClean="0"/>
               <a:t>单击此处编辑母版文本样式</a:t>
             </a:r>
+            <a:endParaRPr lang="zh-CN" altLang="en-US" smtClean="0"/>
           </a:p>
           <a:p>
             <a:pPr lvl="1"/>
@@ -757,6 +757,7 @@
               <a:rPr lang="zh-CN" altLang="en-US" smtClean="0"/>
               <a:t>第二级</a:t>
             </a:r>
+            <a:endParaRPr lang="zh-CN" altLang="en-US" smtClean="0"/>
           </a:p>
           <a:p>
             <a:pPr lvl="2"/>
@@ -764,6 +765,7 @@
               <a:rPr lang="zh-CN" altLang="en-US" smtClean="0"/>
               <a:t>第三级</a:t>
             </a:r>
+            <a:endParaRPr lang="zh-CN" altLang="en-US" smtClean="0"/>
           </a:p>
           <a:p>
             <a:pPr lvl="3"/>
@@ -771,6 +773,7 @@
               <a:rPr lang="zh-CN" altLang="en-US" smtClean="0"/>
               <a:t>第四级</a:t>
             </a:r>
+            <a:endParaRPr lang="zh-CN" altLang="en-US" smtClean="0"/>
           </a:p>
           <a:p>
             <a:pPr lvl="4"/>
@@ -799,8 +802,6 @@
           <a:p>
             <a:fld id="{79999C13-7D73-4A87-8CC5-7FBB81244F5A}" type="datetimeFigureOut">
               <a:rPr lang="zh-CN" altLang="en-US" smtClean="0"/>
-              <a:pPr/>
-              <a:t>2019/10/10</a:t>
             </a:fld>
             <a:endParaRPr lang="zh-CN" altLang="en-US"/>
           </a:p>
@@ -842,8 +843,6 @@
           <a:p>
             <a:fld id="{A6C52A36-E8E0-4FC5-AA23-9B55DFB21044}" type="slidenum">
               <a:rPr lang="zh-CN" altLang="en-US" smtClean="0"/>
-              <a:pPr/>
-              <a:t>‹#›</a:t>
             </a:fld>
             <a:endParaRPr lang="zh-CN" altLang="en-US"/>
           </a:p>
@@ -1022,6 +1021,7 @@
               <a:rPr lang="zh-CN" altLang="en-US" smtClean="0"/>
               <a:t>单击此处编辑母版文本样式</a:t>
             </a:r>
+            <a:endParaRPr lang="zh-CN" altLang="en-US" smtClean="0"/>
           </a:p>
         </p:txBody>
       </p:sp>
@@ -1042,8 +1042,6 @@
           <a:p>
             <a:fld id="{79999C13-7D73-4A87-8CC5-7FBB81244F5A}" type="datetimeFigureOut">
               <a:rPr lang="zh-CN" altLang="en-US" smtClean="0"/>
-              <a:pPr/>
-              <a:t>2019/10/10</a:t>
             </a:fld>
             <a:endParaRPr lang="zh-CN" altLang="en-US"/>
           </a:p>
@@ -1085,8 +1083,6 @@
           <a:p>
             <a:fld id="{A6C52A36-E8E0-4FC5-AA23-9B55DFB21044}" type="slidenum">
               <a:rPr lang="zh-CN" altLang="en-US" smtClean="0"/>
-              <a:pPr/>
-              <a:t>‹#›</a:t>
             </a:fld>
             <a:endParaRPr lang="zh-CN" altLang="en-US"/>
           </a:p>
@@ -1193,6 +1189,7 @@
               <a:rPr lang="zh-CN" altLang="en-US" smtClean="0"/>
               <a:t>单击此处编辑母版文本样式</a:t>
             </a:r>
+            <a:endParaRPr lang="zh-CN" altLang="en-US" smtClean="0"/>
           </a:p>
           <a:p>
             <a:pPr lvl="1"/>
@@ -1200,6 +1197,7 @@
               <a:rPr lang="zh-CN" altLang="en-US" smtClean="0"/>
               <a:t>第二级</a:t>
             </a:r>
+            <a:endParaRPr lang="zh-CN" altLang="en-US" smtClean="0"/>
           </a:p>
           <a:p>
             <a:pPr lvl="2"/>
@@ -1207,6 +1205,7 @@
               <a:rPr lang="zh-CN" altLang="en-US" smtClean="0"/>
               <a:t>第三级</a:t>
             </a:r>
+            <a:endParaRPr lang="zh-CN" altLang="en-US" smtClean="0"/>
           </a:p>
           <a:p>
             <a:pPr lvl="3"/>
@@ -1214,6 +1213,7 @@
               <a:rPr lang="zh-CN" altLang="en-US" smtClean="0"/>
               <a:t>第四级</a:t>
             </a:r>
+            <a:endParaRPr lang="zh-CN" altLang="en-US" smtClean="0"/>
           </a:p>
           <a:p>
             <a:pPr lvl="4"/>
@@ -1278,6 +1278,7 @@
               <a:rPr lang="zh-CN" altLang="en-US" smtClean="0"/>
               <a:t>单击此处编辑母版文本样式</a:t>
             </a:r>
+            <a:endParaRPr lang="zh-CN" altLang="en-US" smtClean="0"/>
           </a:p>
           <a:p>
             <a:pPr lvl="1"/>
@@ -1285,6 +1286,7 @@
               <a:rPr lang="zh-CN" altLang="en-US" smtClean="0"/>
               <a:t>第二级</a:t>
             </a:r>
+            <a:endParaRPr lang="zh-CN" altLang="en-US" smtClean="0"/>
           </a:p>
           <a:p>
             <a:pPr lvl="2"/>
@@ -1292,6 +1294,7 @@
               <a:rPr lang="zh-CN" altLang="en-US" smtClean="0"/>
               <a:t>第三级</a:t>
             </a:r>
+            <a:endParaRPr lang="zh-CN" altLang="en-US" smtClean="0"/>
           </a:p>
           <a:p>
             <a:pPr lvl="3"/>
@@ -1299,6 +1302,7 @@
               <a:rPr lang="zh-CN" altLang="en-US" smtClean="0"/>
               <a:t>第四级</a:t>
             </a:r>
+            <a:endParaRPr lang="zh-CN" altLang="en-US" smtClean="0"/>
           </a:p>
           <a:p>
             <a:pPr lvl="4"/>
@@ -1327,8 +1331,6 @@
           <a:p>
             <a:fld id="{79999C13-7D73-4A87-8CC5-7FBB81244F5A}" type="datetimeFigureOut">
               <a:rPr lang="zh-CN" altLang="en-US" smtClean="0"/>
-              <a:pPr/>
-              <a:t>2019/10/10</a:t>
             </a:fld>
             <a:endParaRPr lang="zh-CN" altLang="en-US"/>
           </a:p>
@@ -1370,8 +1372,6 @@
           <a:p>
             <a:fld id="{A6C52A36-E8E0-4FC5-AA23-9B55DFB21044}" type="slidenum">
               <a:rPr lang="zh-CN" altLang="en-US" smtClean="0"/>
-              <a:pPr/>
-              <a:t>‹#›</a:t>
             </a:fld>
             <a:endParaRPr lang="zh-CN" altLang="en-US"/>
           </a:p>
@@ -1491,6 +1491,7 @@
               <a:rPr lang="zh-CN" altLang="en-US" smtClean="0"/>
               <a:t>单击此处编辑母版文本样式</a:t>
             </a:r>
+            <a:endParaRPr lang="zh-CN" altLang="en-US" smtClean="0"/>
           </a:p>
         </p:txBody>
       </p:sp>
@@ -1547,6 +1548,7 @@
               <a:rPr lang="zh-CN" altLang="en-US" smtClean="0"/>
               <a:t>单击此处编辑母版文本样式</a:t>
             </a:r>
+            <a:endParaRPr lang="zh-CN" altLang="en-US" smtClean="0"/>
           </a:p>
           <a:p>
             <a:pPr lvl="1"/>
@@ -1554,6 +1556,7 @@
               <a:rPr lang="zh-CN" altLang="en-US" smtClean="0"/>
               <a:t>第二级</a:t>
             </a:r>
+            <a:endParaRPr lang="zh-CN" altLang="en-US" smtClean="0"/>
           </a:p>
           <a:p>
             <a:pPr lvl="2"/>
@@ -1561,6 +1564,7 @@
               <a:rPr lang="zh-CN" altLang="en-US" smtClean="0"/>
               <a:t>第三级</a:t>
             </a:r>
+            <a:endParaRPr lang="zh-CN" altLang="en-US" smtClean="0"/>
           </a:p>
           <a:p>
             <a:pPr lvl="3"/>
@@ -1568,6 +1572,7 @@
               <a:rPr lang="zh-CN" altLang="en-US" smtClean="0"/>
               <a:t>第四级</a:t>
             </a:r>
+            <a:endParaRPr lang="zh-CN" altLang="en-US" smtClean="0"/>
           </a:p>
           <a:p>
             <a:pPr lvl="4"/>
@@ -1641,6 +1646,7 @@
               <a:rPr lang="zh-CN" altLang="en-US" smtClean="0"/>
               <a:t>单击此处编辑母版文本样式</a:t>
             </a:r>
+            <a:endParaRPr lang="zh-CN" altLang="en-US" smtClean="0"/>
           </a:p>
         </p:txBody>
       </p:sp>
@@ -1697,6 +1703,7 @@
               <a:rPr lang="zh-CN" altLang="en-US" smtClean="0"/>
               <a:t>单击此处编辑母版文本样式</a:t>
             </a:r>
+            <a:endParaRPr lang="zh-CN" altLang="en-US" smtClean="0"/>
           </a:p>
           <a:p>
             <a:pPr lvl="1"/>
@@ -1704,6 +1711,7 @@
               <a:rPr lang="zh-CN" altLang="en-US" smtClean="0"/>
               <a:t>第二级</a:t>
             </a:r>
+            <a:endParaRPr lang="zh-CN" altLang="en-US" smtClean="0"/>
           </a:p>
           <a:p>
             <a:pPr lvl="2"/>
@@ -1711,6 +1719,7 @@
               <a:rPr lang="zh-CN" altLang="en-US" smtClean="0"/>
               <a:t>第三级</a:t>
             </a:r>
+            <a:endParaRPr lang="zh-CN" altLang="en-US" smtClean="0"/>
           </a:p>
           <a:p>
             <a:pPr lvl="3"/>
@@ -1718,6 +1727,7 @@
               <a:rPr lang="zh-CN" altLang="en-US" smtClean="0"/>
               <a:t>第四级</a:t>
             </a:r>
+            <a:endParaRPr lang="zh-CN" altLang="en-US" smtClean="0"/>
           </a:p>
           <a:p>
             <a:pPr lvl="4"/>
@@ -1746,8 +1756,6 @@
           <a:p>
             <a:fld id="{79999C13-7D73-4A87-8CC5-7FBB81244F5A}" type="datetimeFigureOut">
               <a:rPr lang="zh-CN" altLang="en-US" smtClean="0"/>
-              <a:pPr/>
-              <a:t>2019/10/10</a:t>
             </a:fld>
             <a:endParaRPr lang="zh-CN" altLang="en-US"/>
           </a:p>
@@ -1789,8 +1797,6 @@
           <a:p>
             <a:fld id="{A6C52A36-E8E0-4FC5-AA23-9B55DFB21044}" type="slidenum">
               <a:rPr lang="zh-CN" altLang="en-US" smtClean="0"/>
-              <a:pPr/>
-              <a:t>‹#›</a:t>
             </a:fld>
             <a:endParaRPr lang="zh-CN" altLang="en-US"/>
           </a:p>
@@ -1861,8 +1867,6 @@
           <a:p>
             <a:fld id="{79999C13-7D73-4A87-8CC5-7FBB81244F5A}" type="datetimeFigureOut">
               <a:rPr lang="zh-CN" altLang="en-US" smtClean="0"/>
-              <a:pPr/>
-              <a:t>2019/10/10</a:t>
             </a:fld>
             <a:endParaRPr lang="zh-CN" altLang="en-US"/>
           </a:p>
@@ -1904,8 +1908,6 @@
           <a:p>
             <a:fld id="{A6C52A36-E8E0-4FC5-AA23-9B55DFB21044}" type="slidenum">
               <a:rPr lang="zh-CN" altLang="en-US" smtClean="0"/>
-              <a:pPr/>
-              <a:t>‹#›</a:t>
             </a:fld>
             <a:endParaRPr lang="zh-CN" altLang="en-US"/>
           </a:p>
@@ -1953,8 +1955,6 @@
           <a:p>
             <a:fld id="{79999C13-7D73-4A87-8CC5-7FBB81244F5A}" type="datetimeFigureOut">
               <a:rPr lang="zh-CN" altLang="en-US" smtClean="0"/>
-              <a:pPr/>
-              <a:t>2019/10/10</a:t>
             </a:fld>
             <a:endParaRPr lang="zh-CN" altLang="en-US"/>
           </a:p>
@@ -1996,8 +1996,6 @@
           <a:p>
             <a:fld id="{A6C52A36-E8E0-4FC5-AA23-9B55DFB21044}" type="slidenum">
               <a:rPr lang="zh-CN" altLang="en-US" smtClean="0"/>
-              <a:pPr/>
-              <a:t>‹#›</a:t>
             </a:fld>
             <a:endParaRPr lang="zh-CN" altLang="en-US"/>
           </a:p>
@@ -2113,6 +2111,7 @@
               <a:rPr lang="zh-CN" altLang="en-US" smtClean="0"/>
               <a:t>单击此处编辑母版文本样式</a:t>
             </a:r>
+            <a:endParaRPr lang="zh-CN" altLang="en-US" smtClean="0"/>
           </a:p>
           <a:p>
             <a:pPr lvl="1"/>
@@ -2120,6 +2119,7 @@
               <a:rPr lang="zh-CN" altLang="en-US" smtClean="0"/>
               <a:t>第二级</a:t>
             </a:r>
+            <a:endParaRPr lang="zh-CN" altLang="en-US" smtClean="0"/>
           </a:p>
           <a:p>
             <a:pPr lvl="2"/>
@@ -2127,6 +2127,7 @@
               <a:rPr lang="zh-CN" altLang="en-US" smtClean="0"/>
               <a:t>第三级</a:t>
             </a:r>
+            <a:endParaRPr lang="zh-CN" altLang="en-US" smtClean="0"/>
           </a:p>
           <a:p>
             <a:pPr lvl="3"/>
@@ -2134,6 +2135,7 @@
               <a:rPr lang="zh-CN" altLang="en-US" smtClean="0"/>
               <a:t>第四级</a:t>
             </a:r>
+            <a:endParaRPr lang="zh-CN" altLang="en-US" smtClean="0"/>
           </a:p>
           <a:p>
             <a:pPr lvl="4"/>
@@ -2207,6 +2209,7 @@
               <a:rPr lang="zh-CN" altLang="en-US" smtClean="0"/>
               <a:t>单击此处编辑母版文本样式</a:t>
             </a:r>
+            <a:endParaRPr lang="zh-CN" altLang="en-US" smtClean="0"/>
           </a:p>
         </p:txBody>
       </p:sp>
@@ -2227,8 +2230,6 @@
           <a:p>
             <a:fld id="{79999C13-7D73-4A87-8CC5-7FBB81244F5A}" type="datetimeFigureOut">
               <a:rPr lang="zh-CN" altLang="en-US" smtClean="0"/>
-              <a:pPr/>
-              <a:t>2019/10/10</a:t>
             </a:fld>
             <a:endParaRPr lang="zh-CN" altLang="en-US"/>
           </a:p>
@@ -2270,8 +2271,6 @@
           <a:p>
             <a:fld id="{A6C52A36-E8E0-4FC5-AA23-9B55DFB21044}" type="slidenum">
               <a:rPr lang="zh-CN" altLang="en-US" smtClean="0"/>
-              <a:pPr/>
-              <a:t>‹#›</a:t>
             </a:fld>
             <a:endParaRPr lang="zh-CN" altLang="en-US"/>
           </a:p>
@@ -2457,6 +2456,7 @@
               <a:rPr lang="zh-CN" altLang="en-US" smtClean="0"/>
               <a:t>单击此处编辑母版文本样式</a:t>
             </a:r>
+            <a:endParaRPr lang="zh-CN" altLang="en-US" smtClean="0"/>
           </a:p>
         </p:txBody>
       </p:sp>
@@ -2477,8 +2477,6 @@
           <a:p>
             <a:fld id="{79999C13-7D73-4A87-8CC5-7FBB81244F5A}" type="datetimeFigureOut">
               <a:rPr lang="zh-CN" altLang="en-US" smtClean="0"/>
-              <a:pPr/>
-              <a:t>2019/10/10</a:t>
             </a:fld>
             <a:endParaRPr lang="zh-CN" altLang="en-US"/>
           </a:p>
@@ -2520,8 +2518,6 @@
           <a:p>
             <a:fld id="{A6C52A36-E8E0-4FC5-AA23-9B55DFB21044}" type="slidenum">
               <a:rPr lang="zh-CN" altLang="en-US" smtClean="0"/>
-              <a:pPr/>
-              <a:t>‹#›</a:t>
             </a:fld>
             <a:endParaRPr lang="zh-CN" altLang="en-US"/>
           </a:p>
@@ -2620,6 +2616,7 @@
               <a:rPr lang="zh-CN" altLang="en-US" smtClean="0"/>
               <a:t>单击此处编辑母版文本样式</a:t>
             </a:r>
+            <a:endParaRPr lang="zh-CN" altLang="en-US" smtClean="0"/>
           </a:p>
           <a:p>
             <a:pPr lvl="1"/>
@@ -2627,6 +2624,7 @@
               <a:rPr lang="zh-CN" altLang="en-US" smtClean="0"/>
               <a:t>第二级</a:t>
             </a:r>
+            <a:endParaRPr lang="zh-CN" altLang="en-US" smtClean="0"/>
           </a:p>
           <a:p>
             <a:pPr lvl="2"/>
@@ -2634,6 +2632,7 @@
               <a:rPr lang="zh-CN" altLang="en-US" smtClean="0"/>
               <a:t>第三级</a:t>
             </a:r>
+            <a:endParaRPr lang="zh-CN" altLang="en-US" smtClean="0"/>
           </a:p>
           <a:p>
             <a:pPr lvl="3"/>
@@ -2641,6 +2640,7 @@
               <a:rPr lang="zh-CN" altLang="en-US" smtClean="0"/>
               <a:t>第四级</a:t>
             </a:r>
+            <a:endParaRPr lang="zh-CN" altLang="en-US" smtClean="0"/>
           </a:p>
           <a:p>
             <a:pPr lvl="4"/>
@@ -2687,8 +2687,6 @@
           <a:p>
             <a:fld id="{79999C13-7D73-4A87-8CC5-7FBB81244F5A}" type="datetimeFigureOut">
               <a:rPr lang="zh-CN" altLang="en-US" smtClean="0"/>
-              <a:pPr/>
-              <a:t>2019/10/10</a:t>
             </a:fld>
             <a:endParaRPr lang="zh-CN" altLang="en-US"/>
           </a:p>
@@ -2766,8 +2764,6 @@
           <a:p>
             <a:fld id="{A6C52A36-E8E0-4FC5-AA23-9B55DFB21044}" type="slidenum">
               <a:rPr lang="zh-CN" altLang="en-US" smtClean="0"/>
-              <a:pPr/>
-              <a:t>‹#›</a:t>
             </a:fld>
             <a:endParaRPr lang="zh-CN" altLang="en-US"/>
           </a:p>
@@ -2811,7 +2807,7 @@
         <a:spcBef>
           <a:spcPct val="20000"/>
         </a:spcBef>
-        <a:buFont typeface="Arial" pitchFamily="34" charset="0"/>
+        <a:buFont typeface="Arial" panose="020B0604020202020204" pitchFamily="34" charset="0"/>
         <a:buChar char="•"/>
         <a:defRPr sz="3200" kern="1200">
           <a:solidFill>
@@ -2826,7 +2822,7 @@
         <a:spcBef>
           <a:spcPct val="20000"/>
         </a:spcBef>
-        <a:buFont typeface="Arial" pitchFamily="34" charset="0"/>
+        <a:buFont typeface="Arial" panose="020B0604020202020204" pitchFamily="34" charset="0"/>
         <a:buChar char="–"/>
         <a:defRPr sz="2800" kern="1200">
           <a:solidFill>
@@ -2841,7 +2837,7 @@
         <a:spcBef>
           <a:spcPct val="20000"/>
         </a:spcBef>
-        <a:buFont typeface="Arial" pitchFamily="34" charset="0"/>
+        <a:buFont typeface="Arial" panose="020B0604020202020204" pitchFamily="34" charset="0"/>
         <a:buChar char="•"/>
         <a:defRPr sz="2400" kern="1200">
           <a:solidFill>
@@ -2856,7 +2852,7 @@
         <a:spcBef>
           <a:spcPct val="20000"/>
         </a:spcBef>
-        <a:buFont typeface="Arial" pitchFamily="34" charset="0"/>
+        <a:buFont typeface="Arial" panose="020B0604020202020204" pitchFamily="34" charset="0"/>
         <a:buChar char="–"/>
         <a:defRPr sz="2000" kern="1200">
           <a:solidFill>
@@ -2871,7 +2867,7 @@
         <a:spcBef>
           <a:spcPct val="20000"/>
         </a:spcBef>
-        <a:buFont typeface="Arial" pitchFamily="34" charset="0"/>
+        <a:buFont typeface="Arial" panose="020B0604020202020204" pitchFamily="34" charset="0"/>
         <a:buChar char="»"/>
         <a:defRPr sz="2000" kern="1200">
           <a:solidFill>
@@ -2886,7 +2882,7 @@
         <a:spcBef>
           <a:spcPct val="20000"/>
         </a:spcBef>
-        <a:buFont typeface="Arial" pitchFamily="34" charset="0"/>
+        <a:buFont typeface="Arial" panose="020B0604020202020204" pitchFamily="34" charset="0"/>
         <a:buChar char="•"/>
         <a:defRPr sz="2000" kern="1200">
           <a:solidFill>
@@ -2901,7 +2897,7 @@
         <a:spcBef>
           <a:spcPct val="20000"/>
         </a:spcBef>
-        <a:buFont typeface="Arial" pitchFamily="34" charset="0"/>
+        <a:buFont typeface="Arial" panose="020B0604020202020204" pitchFamily="34" charset="0"/>
         <a:buChar char="•"/>
         <a:defRPr sz="2000" kern="1200">
           <a:solidFill>
@@ -2916,7 +2912,7 @@
         <a:spcBef>
           <a:spcPct val="20000"/>
         </a:spcBef>
-        <a:buFont typeface="Arial" pitchFamily="34" charset="0"/>
+        <a:buFont typeface="Arial" panose="020B0604020202020204" pitchFamily="34" charset="0"/>
         <a:buChar char="•"/>
         <a:defRPr sz="2000" kern="1200">
           <a:solidFill>
@@ -2931,7 +2927,7 @@
         <a:spcBef>
           <a:spcPct val="20000"/>
         </a:spcBef>
-        <a:buFont typeface="Arial" pitchFamily="34" charset="0"/>
+        <a:buFont typeface="Arial" panose="020B0604020202020204" pitchFamily="34" charset="0"/>
         <a:buChar char="•"/>
         <a:defRPr sz="2000" kern="1200">
           <a:solidFill>
@@ -3102,7 +3098,7 @@
             <a:pPr algn="ctr"/>
             <a:r>
               <a:rPr lang="en-US" altLang="zh-CN" dirty="0" err="1" smtClean="0"/>
-              <a:t>RocksDB</a:t>
+              <a:t>MVStore</a:t>
             </a:r>
             <a:endParaRPr lang="zh-CN" altLang="en-US" dirty="0"/>
           </a:p>
@@ -3151,9 +3147,9 @@
             <a:pPr algn="ctr"/>
             <a:r>
               <a:rPr lang="en-US" altLang="zh-CN" dirty="0" err="1" smtClean="0"/>
-              <a:t>WiredTiger</a:t>
-            </a:r>
-            <a:endParaRPr lang="zh-CN" altLang="en-US" dirty="0"/>
+              <a:t>Memory</a:t>
+            </a:r>
+            <a:endParaRPr lang="en-US" altLang="zh-CN" dirty="0" err="1" smtClean="0"/>
           </a:p>
         </p:txBody>
       </p:sp>
@@ -3330,7 +3326,7 @@
             <a:pPr algn="ctr"/>
             <a:r>
               <a:rPr lang="en-US" altLang="zh-CN" dirty="0" smtClean="0"/>
-              <a:t>AMTE</a:t>
+              <a:t>AOTE</a:t>
             </a:r>
             <a:endParaRPr lang="zh-CN" altLang="en-US" dirty="0"/>
           </a:p>
@@ -3385,10 +3381,6 @@
               <a:rPr lang="en-US" altLang="zh-CN" dirty="0" smtClean="0"/>
               <a:t>Pluggable </a:t>
             </a:r>
-            <a:r>
-              <a:rPr lang="en-US" altLang="zh-CN" dirty="0" smtClean="0"/>
-              <a:t>Other…</a:t>
-            </a:r>
             <a:endParaRPr lang="zh-CN" altLang="en-US" dirty="0" smtClean="0"/>
           </a:p>
           <a:p>
@@ -3440,7 +3432,7 @@
             <a:pPr algn="ctr"/>
             <a:r>
               <a:rPr lang="en-US" altLang="zh-CN" dirty="0" smtClean="0"/>
-              <a:t>Pluggable Other…</a:t>
+              <a:t>Pluggable</a:t>
             </a:r>
             <a:endParaRPr lang="zh-CN" altLang="en-US" dirty="0"/>
           </a:p>
@@ -3489,7 +3481,7 @@
             <a:pPr algn="ctr"/>
             <a:r>
               <a:rPr lang="en-US" altLang="zh-CN" dirty="0" smtClean="0"/>
-              <a:t>SQL Engine </a:t>
+              <a:t>SQL Engine API </a:t>
             </a:r>
             <a:endParaRPr lang="zh-CN" altLang="en-US" dirty="0"/>
           </a:p>
@@ -3503,8 +3495,8 @@
         </p:nvSpPr>
         <p:spPr>
           <a:xfrm>
-            <a:off x="1216210" y="3429000"/>
-            <a:ext cx="4946272" cy="500066"/>
+            <a:off x="1216025" y="3429000"/>
+            <a:ext cx="6686550" cy="500380"/>
           </a:xfrm>
           <a:prstGeom prst="roundRect">
             <a:avLst/>
@@ -3562,21 +3554,21 @@
       </p:sp>
       <p:sp>
         <p:nvSpPr>
-          <p:cNvPr id="25" name="圆角矩形 24"/>
+          <p:cNvPr id="28" name="圆角矩形 27"/>
           <p:cNvSpPr/>
           <p:nvPr/>
         </p:nvSpPr>
         <p:spPr>
           <a:xfrm>
-            <a:off x="6320106" y="3456194"/>
-            <a:ext cx="1571636" cy="500066"/>
+            <a:off x="1918144" y="-1527416"/>
+            <a:ext cx="1714512" cy="714380"/>
           </a:xfrm>
           <a:prstGeom prst="roundRect">
             <a:avLst/>
           </a:prstGeom>
           <a:solidFill>
-            <a:schemeClr val="accent5">
-              <a:lumMod val="50000"/>
+            <a:schemeClr val="accent4">
+              <a:lumMod val="75000"/>
             </a:schemeClr>
           </a:solidFill>
         </p:spPr>
@@ -3601,35 +3593,39 @@
           <a:lstStyle/>
           <a:p>
             <a:pPr algn="ctr"/>
+            <a:endParaRPr lang="en-US" altLang="zh-CN" dirty="0" smtClean="0"/>
+          </a:p>
+          <a:p>
+            <a:pPr algn="ctr"/>
             <a:r>
               <a:rPr lang="en-US" altLang="zh-CN" dirty="0" smtClean="0"/>
-              <a:t>Pluggable </a:t>
-            </a:r>
-            <a:r>
-              <a:rPr lang="en-US" altLang="zh-CN" dirty="0" smtClean="0"/>
-              <a:t>Other…</a:t>
-            </a:r>
+              <a:t>Client  1</a:t>
+            </a:r>
+            <a:endParaRPr lang="zh-CN" altLang="en-US" dirty="0" smtClean="0"/>
+          </a:p>
+          <a:p>
+            <a:pPr algn="ctr"/>
             <a:endParaRPr lang="zh-CN" altLang="en-US" dirty="0"/>
           </a:p>
         </p:txBody>
       </p:sp>
       <p:sp>
         <p:nvSpPr>
-          <p:cNvPr id="28" name="圆角矩形 27"/>
+          <p:cNvPr id="38" name="下箭头 37"/>
           <p:cNvSpPr/>
           <p:nvPr/>
         </p:nvSpPr>
         <p:spPr>
           <a:xfrm>
-            <a:off x="1918144" y="-1527416"/>
-            <a:ext cx="1714512" cy="714380"/>
-          </a:xfrm>
-          <a:prstGeom prst="roundRect">
+            <a:off x="4294950" y="157600"/>
+            <a:ext cx="357190" cy="342442"/>
+          </a:xfrm>
+          <a:prstGeom prst="downArrow">
             <a:avLst/>
           </a:prstGeom>
           <a:solidFill>
-            <a:schemeClr val="accent4">
-              <a:lumMod val="75000"/>
+            <a:schemeClr val="bg2">
+              <a:lumMod val="90000"/>
             </a:schemeClr>
           </a:solidFill>
         </p:spPr>
@@ -3654,36 +3650,29 @@
           <a:lstStyle/>
           <a:p>
             <a:pPr algn="ctr"/>
-            <a:endParaRPr lang="en-US" altLang="zh-CN" dirty="0" smtClean="0"/>
-          </a:p>
-          <a:p>
-            <a:pPr algn="ctr"/>
-            <a:r>
-              <a:rPr lang="en-US" altLang="zh-CN" dirty="0" smtClean="0"/>
-              <a:t>Client  1</a:t>
-            </a:r>
-            <a:endParaRPr lang="zh-CN" altLang="en-US" dirty="0" smtClean="0"/>
-          </a:p>
-          <a:p>
-            <a:pPr algn="ctr"/>
-            <a:endParaRPr lang="zh-CN" altLang="en-US" dirty="0"/>
-          </a:p>
-        </p:txBody>
-      </p:sp>
-      <p:sp>
-        <p:nvSpPr>
-          <p:cNvPr id="30" name="圆角矩形 29"/>
+            <a:endParaRPr lang="zh-CN" altLang="en-US"/>
+          </a:p>
+        </p:txBody>
+      </p:sp>
+      <p:sp>
+        <p:nvSpPr>
+          <p:cNvPr id="40" name="下箭头 39"/>
           <p:cNvSpPr/>
           <p:nvPr/>
         </p:nvSpPr>
         <p:spPr>
           <a:xfrm>
-            <a:off x="4000496" y="1428736"/>
-            <a:ext cx="1000132" cy="785818"/>
-          </a:xfrm>
-          <a:prstGeom prst="roundRect">
+            <a:off x="6929454" y="1098740"/>
+            <a:ext cx="357190" cy="342442"/>
+          </a:xfrm>
+          <a:prstGeom prst="downArrow">
             <a:avLst/>
           </a:prstGeom>
+          <a:solidFill>
+            <a:schemeClr val="bg2">
+              <a:lumMod val="90000"/>
+            </a:schemeClr>
+          </a:solidFill>
         </p:spPr>
         <p:style>
           <a:lnRef idx="2">
@@ -3706,28 +3695,29 @@
           <a:lstStyle/>
           <a:p>
             <a:pPr algn="ctr"/>
-            <a:r>
-              <a:rPr lang="en-US" altLang="zh-CN" dirty="0" smtClean="0"/>
-              <a:t>Local Router</a:t>
-            </a:r>
-            <a:endParaRPr lang="zh-CN" altLang="en-US" dirty="0"/>
-          </a:p>
-        </p:txBody>
-      </p:sp>
-      <p:sp>
-        <p:nvSpPr>
-          <p:cNvPr id="31" name="圆角矩形 30"/>
+            <a:endParaRPr lang="zh-CN" altLang="en-US"/>
+          </a:p>
+        </p:txBody>
+      </p:sp>
+      <p:sp>
+        <p:nvSpPr>
+          <p:cNvPr id="41" name="下箭头 40"/>
           <p:cNvSpPr/>
           <p:nvPr/>
         </p:nvSpPr>
         <p:spPr>
           <a:xfrm>
-            <a:off x="2386918" y="1428736"/>
-            <a:ext cx="928694" cy="785818"/>
-          </a:xfrm>
-          <a:prstGeom prst="roundRect">
+            <a:off x="4603292" y="5786454"/>
+            <a:ext cx="357190" cy="342442"/>
+          </a:xfrm>
+          <a:prstGeom prst="downArrow">
             <a:avLst/>
           </a:prstGeom>
+          <a:solidFill>
+            <a:schemeClr val="bg2">
+              <a:lumMod val="90000"/>
+            </a:schemeClr>
+          </a:solidFill>
         </p:spPr>
         <p:style>
           <a:lnRef idx="2">
@@ -3750,31 +3740,27 @@
           <a:lstStyle/>
           <a:p>
             <a:pPr algn="ctr"/>
-            <a:r>
-              <a:rPr lang="en-US" altLang="zh-CN" dirty="0" smtClean="0"/>
-              <a:t>P2P Router</a:t>
-            </a:r>
             <a:endParaRPr lang="zh-CN" altLang="en-US" dirty="0"/>
           </a:p>
         </p:txBody>
       </p:sp>
       <p:sp>
         <p:nvSpPr>
-          <p:cNvPr id="33" name="圆角矩形 32"/>
+          <p:cNvPr id="42" name="下箭头 41"/>
           <p:cNvSpPr/>
           <p:nvPr/>
         </p:nvSpPr>
         <p:spPr>
           <a:xfrm>
-            <a:off x="1172472" y="1428736"/>
-            <a:ext cx="1000132" cy="785818"/>
-          </a:xfrm>
-          <a:prstGeom prst="roundRect">
+            <a:off x="1775268" y="5801202"/>
+            <a:ext cx="357190" cy="342442"/>
+          </a:xfrm>
+          <a:prstGeom prst="downArrow">
             <a:avLst/>
           </a:prstGeom>
           <a:solidFill>
-            <a:schemeClr val="accent6">
-              <a:lumMod val="75000"/>
+            <a:schemeClr val="bg2">
+              <a:lumMod val="90000"/>
             </a:schemeClr>
           </a:solidFill>
         </p:spPr>
@@ -3799,31 +3785,19 @@
           <a:lstStyle/>
           <a:p>
             <a:pPr algn="ctr"/>
-            <a:r>
-              <a:rPr lang="en-US" altLang="zh-CN" dirty="0" err="1" smtClean="0"/>
-              <a:t>Lealone</a:t>
-            </a:r>
-            <a:r>
-              <a:rPr lang="en-US" altLang="zh-CN" dirty="0" smtClean="0"/>
-              <a:t> Node </a:t>
-            </a:r>
-            <a:r>
-              <a:rPr lang="en-US" altLang="zh-CN" dirty="0" smtClean="0"/>
-              <a:t>2</a:t>
-            </a:r>
-            <a:endParaRPr lang="zh-CN" altLang="en-US" dirty="0"/>
-          </a:p>
-        </p:txBody>
-      </p:sp>
-      <p:sp>
-        <p:nvSpPr>
-          <p:cNvPr id="38" name="下箭头 37"/>
+            <a:endParaRPr lang="zh-CN" altLang="en-US"/>
+          </a:p>
+        </p:txBody>
+      </p:sp>
+      <p:sp>
+        <p:nvSpPr>
+          <p:cNvPr id="43" name="下箭头 42"/>
           <p:cNvSpPr/>
           <p:nvPr/>
         </p:nvSpPr>
         <p:spPr>
           <a:xfrm>
-            <a:off x="4294950" y="157600"/>
+            <a:off x="4603292" y="4714884"/>
             <a:ext cx="357190" cy="342442"/>
           </a:xfrm>
           <a:prstGeom prst="downArrow">
@@ -3862,13 +3836,13 @@
       </p:sp>
       <p:sp>
         <p:nvSpPr>
-          <p:cNvPr id="39" name="下箭头 38"/>
+          <p:cNvPr id="44" name="下箭头 43"/>
           <p:cNvSpPr/>
           <p:nvPr/>
         </p:nvSpPr>
         <p:spPr>
           <a:xfrm>
-            <a:off x="2640872" y="1071546"/>
+            <a:off x="1775268" y="4714884"/>
             <a:ext cx="357190" cy="342442"/>
           </a:xfrm>
           <a:prstGeom prst="downArrow">
@@ -3907,13 +3881,13 @@
       </p:sp>
       <p:sp>
         <p:nvSpPr>
-          <p:cNvPr id="40" name="下箭头 39"/>
+          <p:cNvPr id="45" name="下箭头 44"/>
           <p:cNvSpPr/>
           <p:nvPr/>
         </p:nvSpPr>
         <p:spPr>
           <a:xfrm>
-            <a:off x="6929454" y="1098740"/>
+            <a:off x="3174532" y="3929066"/>
             <a:ext cx="357190" cy="342442"/>
           </a:xfrm>
           <a:prstGeom prst="downArrow">
@@ -3952,13 +3926,13 @@
       </p:sp>
       <p:sp>
         <p:nvSpPr>
-          <p:cNvPr id="41" name="下箭头 40"/>
+          <p:cNvPr id="47" name="下箭头 46"/>
           <p:cNvSpPr/>
           <p:nvPr/>
         </p:nvSpPr>
         <p:spPr>
           <a:xfrm>
-            <a:off x="4603292" y="5786454"/>
+            <a:off x="4322612" y="3071810"/>
             <a:ext cx="357190" cy="342442"/>
           </a:xfrm>
           <a:prstGeom prst="downArrow">
@@ -3991,19 +3965,19 @@
           <a:lstStyle/>
           <a:p>
             <a:pPr algn="ctr"/>
-            <a:endParaRPr lang="zh-CN" altLang="en-US" dirty="0"/>
-          </a:p>
-        </p:txBody>
-      </p:sp>
-      <p:sp>
-        <p:nvSpPr>
-          <p:cNvPr id="42" name="下箭头 41"/>
+            <a:endParaRPr lang="zh-CN" altLang="en-US"/>
+          </a:p>
+        </p:txBody>
+      </p:sp>
+      <p:sp>
+        <p:nvSpPr>
+          <p:cNvPr id="48" name="下箭头 47"/>
           <p:cNvSpPr/>
           <p:nvPr/>
         </p:nvSpPr>
         <p:spPr>
           <a:xfrm>
-            <a:off x="1775268" y="5801202"/>
+            <a:off x="6929454" y="2214554"/>
             <a:ext cx="357190" cy="342442"/>
           </a:xfrm>
           <a:prstGeom prst="downArrow">
@@ -4042,13 +4016,13 @@
       </p:sp>
       <p:sp>
         <p:nvSpPr>
-          <p:cNvPr id="43" name="下箭头 42"/>
+          <p:cNvPr id="50" name="下箭头 49"/>
           <p:cNvSpPr/>
           <p:nvPr/>
         </p:nvSpPr>
         <p:spPr>
           <a:xfrm>
-            <a:off x="4603292" y="4714884"/>
+            <a:off x="1775268" y="6567914"/>
             <a:ext cx="357190" cy="342442"/>
           </a:xfrm>
           <a:prstGeom prst="downArrow">
@@ -4087,13 +4061,13 @@
       </p:sp>
       <p:sp>
         <p:nvSpPr>
-          <p:cNvPr id="44" name="下箭头 43"/>
+          <p:cNvPr id="51" name="下箭头 50"/>
           <p:cNvSpPr/>
           <p:nvPr/>
         </p:nvSpPr>
         <p:spPr>
           <a:xfrm>
-            <a:off x="1775268" y="4714884"/>
+            <a:off x="6937220" y="6587020"/>
             <a:ext cx="357190" cy="342442"/>
           </a:xfrm>
           <a:prstGeom prst="downArrow">
@@ -4132,13 +4106,13 @@
       </p:sp>
       <p:sp>
         <p:nvSpPr>
-          <p:cNvPr id="45" name="下箭头 44"/>
+          <p:cNvPr id="52" name="下箭头 51"/>
           <p:cNvSpPr/>
           <p:nvPr/>
         </p:nvSpPr>
         <p:spPr>
           <a:xfrm>
-            <a:off x="3174532" y="3929066"/>
+            <a:off x="4603292" y="6572272"/>
             <a:ext cx="357190" cy="342442"/>
           </a:xfrm>
           <a:prstGeom prst="downArrow">
@@ -4177,14 +4151,14 @@
       </p:sp>
       <p:sp>
         <p:nvSpPr>
-          <p:cNvPr id="46" name="下箭头 45"/>
+          <p:cNvPr id="56" name="下箭头 55"/>
           <p:cNvSpPr/>
           <p:nvPr/>
         </p:nvSpPr>
         <p:spPr>
           <a:xfrm>
-            <a:off x="6950602" y="3071810"/>
-            <a:ext cx="357190" cy="342442"/>
+            <a:off x="6924510" y="3929066"/>
+            <a:ext cx="357190" cy="2214578"/>
           </a:xfrm>
           <a:prstGeom prst="downArrow">
             <a:avLst/>
@@ -4222,21 +4196,22 @@
       </p:sp>
       <p:sp>
         <p:nvSpPr>
-          <p:cNvPr id="47" name="下箭头 46"/>
+          <p:cNvPr id="61" name="圆角矩形 60"/>
           <p:cNvSpPr/>
           <p:nvPr/>
         </p:nvSpPr>
         <p:spPr>
           <a:xfrm>
-            <a:off x="3174532" y="3071810"/>
-            <a:ext cx="357190" cy="342442"/>
-          </a:xfrm>
-          <a:prstGeom prst="downArrow">
+            <a:off x="1201462" y="-428652"/>
+            <a:ext cx="6715172" cy="571504"/>
+          </a:xfrm>
+          <a:prstGeom prst="roundRect">
             <a:avLst/>
           </a:prstGeom>
           <a:solidFill>
-            <a:schemeClr val="bg2">
-              <a:lumMod val="90000"/>
+            <a:schemeClr val="tx1">
+              <a:lumMod val="65000"/>
+              <a:lumOff val="35000"/>
             </a:schemeClr>
           </a:solidFill>
         </p:spPr>
@@ -4261,27 +4236,41 @@
           <a:lstStyle/>
           <a:p>
             <a:pPr algn="ctr"/>
-            <a:endParaRPr lang="zh-CN" altLang="en-US"/>
-          </a:p>
-        </p:txBody>
-      </p:sp>
-      <p:sp>
-        <p:nvSpPr>
-          <p:cNvPr id="48" name="下箭头 47"/>
+            <a:r>
+              <a:rPr lang="en-US" altLang="zh-CN" dirty="0" smtClean="0"/>
+              <a:t>TCP/MySQL/PostgreSQL </a:t>
+            </a:r>
+            <a:r>
+              <a:rPr lang="en-US" altLang="zh-CN" dirty="0" smtClean="0">
+                <a:sym typeface="+mn-ea"/>
+              </a:rPr>
+              <a:t>Protocol </a:t>
+            </a:r>
+            <a:r>
+              <a:rPr lang="en-US" altLang="zh-CN" dirty="0" smtClean="0"/>
+              <a:t>Server </a:t>
+            </a:r>
+            <a:endParaRPr lang="zh-CN" altLang="en-US" dirty="0"/>
+          </a:p>
+        </p:txBody>
+      </p:sp>
+      <p:sp>
+        <p:nvSpPr>
+          <p:cNvPr id="62" name="圆角矩形 61"/>
           <p:cNvSpPr/>
           <p:nvPr/>
         </p:nvSpPr>
         <p:spPr>
           <a:xfrm>
-            <a:off x="6929454" y="2214554"/>
-            <a:ext cx="357190" cy="342442"/>
-          </a:xfrm>
-          <a:prstGeom prst="downArrow">
+            <a:off x="1203764" y="2571744"/>
+            <a:ext cx="6715172" cy="571504"/>
+          </a:xfrm>
+          <a:prstGeom prst="roundRect">
             <a:avLst/>
           </a:prstGeom>
           <a:solidFill>
-            <a:schemeClr val="bg2">
-              <a:lumMod val="90000"/>
+            <a:schemeClr val="accent5">
+              <a:lumMod val="75000"/>
             </a:schemeClr>
           </a:solidFill>
         </p:spPr>
@@ -4306,19 +4295,31 @@
           <a:lstStyle/>
           <a:p>
             <a:pPr algn="ctr"/>
-            <a:endParaRPr lang="zh-CN" altLang="en-US"/>
-          </a:p>
-        </p:txBody>
-      </p:sp>
-      <p:sp>
-        <p:nvSpPr>
-          <p:cNvPr id="50" name="下箭头 49"/>
+            <a:r>
+              <a:rPr lang="en-US" altLang="zh-CN" dirty="0" smtClean="0"/>
+              <a:t>DB Object (Table</a:t>
+            </a:r>
+            <a:r>
+              <a:rPr lang="zh-CN" altLang="en-US" dirty="0" smtClean="0"/>
+              <a:t>、</a:t>
+            </a:r>
+            <a:r>
+              <a:rPr lang="en-US" altLang="zh-CN" dirty="0" smtClean="0"/>
+              <a:t>Index) API</a:t>
+            </a:r>
+            <a:endParaRPr lang="zh-CN" altLang="en-US" dirty="0" smtClean="0"/>
+          </a:p>
+        </p:txBody>
+      </p:sp>
+      <p:sp>
+        <p:nvSpPr>
+          <p:cNvPr id="64" name="下箭头 63"/>
           <p:cNvSpPr/>
           <p:nvPr/>
         </p:nvSpPr>
         <p:spPr>
           <a:xfrm>
-            <a:off x="1775268" y="6545054"/>
+            <a:off x="2632524" y="-798288"/>
             <a:ext cx="357190" cy="342442"/>
           </a:xfrm>
           <a:prstGeom prst="downArrow">
@@ -4357,21 +4358,21 @@
       </p:sp>
       <p:sp>
         <p:nvSpPr>
-          <p:cNvPr id="51" name="下箭头 50"/>
+          <p:cNvPr id="65" name="圆角矩形 64"/>
           <p:cNvSpPr/>
           <p:nvPr/>
         </p:nvSpPr>
         <p:spPr>
           <a:xfrm>
-            <a:off x="6937220" y="6587020"/>
-            <a:ext cx="357190" cy="342442"/>
-          </a:xfrm>
-          <a:prstGeom prst="downArrow">
+            <a:off x="5275730" y="-1514970"/>
+            <a:ext cx="1714512" cy="714380"/>
+          </a:xfrm>
+          <a:prstGeom prst="roundRect">
             <a:avLst/>
           </a:prstGeom>
           <a:solidFill>
-            <a:schemeClr val="bg2">
-              <a:lumMod val="90000"/>
+            <a:schemeClr val="accent4">
+              <a:lumMod val="75000"/>
             </a:schemeClr>
           </a:solidFill>
         </p:spPr>
@@ -4396,19 +4397,31 @@
           <a:lstStyle/>
           <a:p>
             <a:pPr algn="ctr"/>
-            <a:endParaRPr lang="zh-CN" altLang="en-US"/>
-          </a:p>
-        </p:txBody>
-      </p:sp>
-      <p:sp>
-        <p:nvSpPr>
-          <p:cNvPr id="52" name="下箭头 51"/>
+            <a:endParaRPr lang="en-US" altLang="zh-CN" dirty="0" smtClean="0"/>
+          </a:p>
+          <a:p>
+            <a:pPr algn="ctr"/>
+            <a:r>
+              <a:rPr lang="en-US" altLang="zh-CN" dirty="0" smtClean="0"/>
+              <a:t>Client  2</a:t>
+            </a:r>
+            <a:endParaRPr lang="zh-CN" altLang="en-US" dirty="0" smtClean="0"/>
+          </a:p>
+          <a:p>
+            <a:pPr algn="ctr"/>
+            <a:endParaRPr lang="zh-CN" altLang="en-US" dirty="0"/>
+          </a:p>
+        </p:txBody>
+      </p:sp>
+      <p:sp>
+        <p:nvSpPr>
+          <p:cNvPr id="66" name="下箭头 65"/>
           <p:cNvSpPr/>
           <p:nvPr/>
         </p:nvSpPr>
         <p:spPr>
           <a:xfrm>
-            <a:off x="4603292" y="6572272"/>
+            <a:off x="5990110" y="-800590"/>
             <a:ext cx="357190" cy="342442"/>
           </a:xfrm>
           <a:prstGeom prst="downArrow">
@@ -4447,23 +4460,18 @@
       </p:sp>
       <p:sp>
         <p:nvSpPr>
-          <p:cNvPr id="55" name="下箭头 54"/>
+          <p:cNvPr id="68" name="圆角矩形 67"/>
           <p:cNvSpPr/>
           <p:nvPr/>
         </p:nvSpPr>
         <p:spPr>
           <a:xfrm>
-            <a:off x="6935854" y="3943814"/>
-            <a:ext cx="357190" cy="2214578"/>
-          </a:xfrm>
-          <a:prstGeom prst="downArrow">
+            <a:off x="6113780" y="1412875"/>
+            <a:ext cx="1868805" cy="800735"/>
+          </a:xfrm>
+          <a:prstGeom prst="roundRect">
             <a:avLst/>
           </a:prstGeom>
-          <a:solidFill>
-            <a:schemeClr val="bg2">
-              <a:lumMod val="90000"/>
-            </a:schemeClr>
-          </a:solidFill>
         </p:spPr>
         <p:style>
           <a:lnRef idx="2">
@@ -4486,27 +4494,43 @@
           <a:lstStyle/>
           <a:p>
             <a:pPr algn="ctr"/>
-            <a:endParaRPr lang="zh-CN" altLang="en-US"/>
-          </a:p>
-        </p:txBody>
-      </p:sp>
-      <p:sp>
-        <p:nvSpPr>
-          <p:cNvPr id="56" name="下箭头 55"/>
+            <a:r>
+              <a:rPr lang="en-US" altLang="zh-CN" sz="1600" dirty="0" smtClean="0">
+                <a:solidFill>
+                  <a:schemeClr val="bg1"/>
+                </a:solidFill>
+                <a:uFillTx/>
+                <a:sym typeface="+mn-ea"/>
+              </a:rPr>
+              <a:t>PostgreSQL Engine</a:t>
+            </a:r>
+            <a:endParaRPr lang="en-US" altLang="zh-CN" sz="1600" dirty="0" smtClean="0">
+              <a:solidFill>
+                <a:schemeClr val="bg1"/>
+              </a:solidFill>
+              <a:uFillTx/>
+              <a:sym typeface="+mn-ea"/>
+            </a:endParaRPr>
+          </a:p>
+        </p:txBody>
+      </p:sp>
+      <p:sp>
+        <p:nvSpPr>
+          <p:cNvPr id="63" name="圆角矩形 62"/>
           <p:cNvSpPr/>
           <p:nvPr/>
         </p:nvSpPr>
         <p:spPr>
           <a:xfrm>
-            <a:off x="5632920" y="3929066"/>
-            <a:ext cx="357190" cy="2214578"/>
-          </a:xfrm>
-          <a:prstGeom prst="downArrow">
+            <a:off x="2674466" y="6916992"/>
+            <a:ext cx="1397468" cy="857256"/>
+          </a:xfrm>
+          <a:prstGeom prst="roundRect">
             <a:avLst/>
           </a:prstGeom>
           <a:solidFill>
-            <a:schemeClr val="bg2">
-              <a:lumMod val="90000"/>
+            <a:schemeClr val="accent2">
+              <a:lumMod val="50000"/>
             </a:schemeClr>
           </a:solidFill>
         </p:spPr>
@@ -4531,28 +4555,31 @@
           <a:lstStyle/>
           <a:p>
             <a:pPr algn="ctr"/>
-            <a:endParaRPr lang="zh-CN" altLang="en-US"/>
-          </a:p>
-        </p:txBody>
-      </p:sp>
-      <p:sp>
-        <p:nvSpPr>
-          <p:cNvPr id="61" name="圆角矩形 60"/>
+            <a:r>
+              <a:rPr lang="en-US" altLang="zh-CN" dirty="0" smtClean="0"/>
+              <a:t>AOSE</a:t>
+            </a:r>
+            <a:endParaRPr lang="en-US" altLang="zh-CN" dirty="0" smtClean="0"/>
+          </a:p>
+        </p:txBody>
+      </p:sp>
+      <p:sp>
+        <p:nvSpPr>
+          <p:cNvPr id="67" name="下箭头 66"/>
           <p:cNvSpPr/>
           <p:nvPr/>
         </p:nvSpPr>
         <p:spPr>
           <a:xfrm>
-            <a:off x="1201462" y="-428652"/>
-            <a:ext cx="6715172" cy="571504"/>
-          </a:xfrm>
-          <a:prstGeom prst="roundRect">
+            <a:off x="3174532" y="6587020"/>
+            <a:ext cx="357190" cy="342442"/>
+          </a:xfrm>
+          <a:prstGeom prst="downArrow">
             <a:avLst/>
           </a:prstGeom>
           <a:solidFill>
-            <a:schemeClr val="tx1">
-              <a:lumMod val="65000"/>
-              <a:lumOff val="35000"/>
+            <a:schemeClr val="bg2">
+              <a:lumMod val="90000"/>
             </a:schemeClr>
           </a:solidFill>
         </p:spPr>
@@ -4577,31 +4604,27 @@
           <a:lstStyle/>
           <a:p>
             <a:pPr algn="ctr"/>
-            <a:r>
-              <a:rPr lang="en-US" altLang="zh-CN" dirty="0" smtClean="0"/>
-              <a:t>TCP Server/ Protocol</a:t>
-            </a:r>
-            <a:endParaRPr lang="zh-CN" altLang="en-US" dirty="0"/>
-          </a:p>
-        </p:txBody>
-      </p:sp>
-      <p:sp>
-        <p:nvSpPr>
-          <p:cNvPr id="62" name="圆角矩形 61"/>
+            <a:endParaRPr lang="zh-CN" altLang="en-US"/>
+          </a:p>
+        </p:txBody>
+      </p:sp>
+      <p:sp>
+        <p:nvSpPr>
+          <p:cNvPr id="2" name="下箭头 1"/>
           <p:cNvSpPr/>
           <p:nvPr/>
         </p:nvSpPr>
         <p:spPr>
           <a:xfrm>
-            <a:off x="1203764" y="2571744"/>
-            <a:ext cx="6715172" cy="571504"/>
-          </a:xfrm>
-          <a:prstGeom prst="roundRect">
+            <a:off x="4329764" y="1096200"/>
+            <a:ext cx="357190" cy="342442"/>
+          </a:xfrm>
+          <a:prstGeom prst="downArrow">
             <a:avLst/>
           </a:prstGeom>
           <a:solidFill>
-            <a:schemeClr val="accent5">
-              <a:lumMod val="75000"/>
+            <a:schemeClr val="bg2">
+              <a:lumMod val="90000"/>
             </a:schemeClr>
           </a:solidFill>
         </p:spPr>
@@ -4623,34 +4646,21 @@
         </p:style>
         <p:txBody>
           <a:bodyPr rtlCol="0" anchor="ctr"/>
-          <a:lstStyle/>
           <a:p>
             <a:pPr algn="ctr"/>
-            <a:r>
-              <a:rPr lang="en-US" altLang="zh-CN" dirty="0" smtClean="0"/>
-              <a:t>DB Object (Table</a:t>
-            </a:r>
-            <a:r>
-              <a:rPr lang="zh-CN" altLang="en-US" dirty="0" smtClean="0"/>
-              <a:t>、</a:t>
-            </a:r>
-            <a:r>
-              <a:rPr lang="en-US" altLang="zh-CN" dirty="0" smtClean="0"/>
-              <a:t>Index) API</a:t>
-            </a:r>
-            <a:endParaRPr lang="zh-CN" altLang="en-US" dirty="0" smtClean="0"/>
-          </a:p>
-        </p:txBody>
-      </p:sp>
-      <p:sp>
-        <p:nvSpPr>
-          <p:cNvPr id="64" name="下箭头 63"/>
+            <a:endParaRPr lang="zh-CN" altLang="en-US"/>
+          </a:p>
+        </p:txBody>
+      </p:sp>
+      <p:sp>
+        <p:nvSpPr>
+          <p:cNvPr id="3" name="下箭头 2"/>
           <p:cNvSpPr/>
           <p:nvPr/>
         </p:nvSpPr>
         <p:spPr>
           <a:xfrm>
-            <a:off x="2632524" y="-798288"/>
+            <a:off x="4329764" y="2212014"/>
             <a:ext cx="357190" cy="342442"/>
           </a:xfrm>
           <a:prstGeom prst="downArrow">
@@ -4680,7 +4690,6 @@
         </p:style>
         <p:txBody>
           <a:bodyPr rtlCol="0" anchor="ctr"/>
-          <a:lstStyle/>
           <a:p>
             <a:pPr algn="ctr"/>
             <a:endParaRPr lang="zh-CN" altLang="en-US"/>
@@ -4689,23 +4698,18 @@
       </p:sp>
       <p:sp>
         <p:nvSpPr>
-          <p:cNvPr id="65" name="圆角矩形 64"/>
+          <p:cNvPr id="4" name="圆角矩形 3"/>
           <p:cNvSpPr/>
           <p:nvPr/>
         </p:nvSpPr>
         <p:spPr>
           <a:xfrm>
-            <a:off x="5275730" y="-1514970"/>
-            <a:ext cx="1714512" cy="714380"/>
+            <a:off x="3514090" y="1410335"/>
+            <a:ext cx="2147570" cy="800735"/>
           </a:xfrm>
           <a:prstGeom prst="roundRect">
             <a:avLst/>
           </a:prstGeom>
-          <a:solidFill>
-            <a:schemeClr val="accent4">
-              <a:lumMod val="75000"/>
-            </a:schemeClr>
-          </a:solidFill>
         </p:spPr>
         <p:style>
           <a:lnRef idx="2">
@@ -4725,34 +4729,43 @@
         </p:style>
         <p:txBody>
           <a:bodyPr rtlCol="0" anchor="ctr"/>
-          <a:lstStyle/>
           <a:p>
             <a:pPr algn="ctr"/>
-            <a:endParaRPr lang="en-US" altLang="zh-CN" dirty="0" smtClean="0"/>
-          </a:p>
-          <a:p>
-            <a:pPr algn="ctr"/>
-            <a:r>
-              <a:rPr lang="en-US" altLang="zh-CN" dirty="0" smtClean="0"/>
-              <a:t>Client  2</a:t>
-            </a:r>
-            <a:endParaRPr lang="zh-CN" altLang="en-US" dirty="0" smtClean="0"/>
-          </a:p>
-          <a:p>
-            <a:pPr algn="ctr"/>
-            <a:endParaRPr lang="zh-CN" altLang="en-US" dirty="0"/>
-          </a:p>
-        </p:txBody>
-      </p:sp>
-      <p:sp>
-        <p:nvSpPr>
-          <p:cNvPr id="66" name="下箭头 65"/>
+            <a:r>
+              <a:rPr lang="en-US" altLang="zh-CN" sz="1600" dirty="0" smtClean="0">
+                <a:sym typeface="+mn-ea"/>
+              </a:rPr>
+              <a:t>L</a:t>
+            </a:r>
+            <a:r>
+              <a:rPr lang="en-US" altLang="zh-CN" sz="1600" dirty="0" smtClean="0">
+                <a:solidFill>
+                  <a:schemeClr val="bg1"/>
+                </a:solidFill>
+                <a:uFillTx/>
+                <a:sym typeface="+mn-ea"/>
+              </a:rPr>
+              <a:t>ealone SQL Engine</a:t>
+            </a:r>
+            <a:endParaRPr lang="en-US" altLang="zh-CN" sz="1600" dirty="0" smtClean="0">
+              <a:solidFill>
+                <a:schemeClr val="bg1"/>
+              </a:solidFill>
+              <a:uFillTx/>
+              <a:sym typeface="+mn-ea"/>
+            </a:endParaRPr>
+          </a:p>
+        </p:txBody>
+      </p:sp>
+      <p:sp>
+        <p:nvSpPr>
+          <p:cNvPr id="5" name="下箭头 4"/>
           <p:cNvSpPr/>
           <p:nvPr/>
         </p:nvSpPr>
         <p:spPr>
           <a:xfrm>
-            <a:off x="5990110" y="-800590"/>
+            <a:off x="2033604" y="1082230"/>
             <a:ext cx="357190" cy="342442"/>
           </a:xfrm>
           <a:prstGeom prst="downArrow">
@@ -4791,18 +4804,23 @@
       </p:sp>
       <p:sp>
         <p:nvSpPr>
-          <p:cNvPr id="68" name="圆角矩形 67"/>
+          <p:cNvPr id="9" name="下箭头 8"/>
           <p:cNvSpPr/>
           <p:nvPr/>
         </p:nvSpPr>
         <p:spPr>
           <a:xfrm>
-            <a:off x="6215074" y="1428736"/>
-            <a:ext cx="1643074" cy="785818"/>
-          </a:xfrm>
-          <a:prstGeom prst="roundRect">
+            <a:off x="2033604" y="2198044"/>
+            <a:ext cx="357190" cy="342442"/>
+          </a:xfrm>
+          <a:prstGeom prst="downArrow">
             <a:avLst/>
           </a:prstGeom>
+          <a:solidFill>
+            <a:schemeClr val="bg2">
+              <a:lumMod val="90000"/>
+            </a:schemeClr>
+          </a:solidFill>
         </p:spPr>
         <p:style>
           <a:lnRef idx="2">
@@ -4825,44 +4843,24 @@
           <a:lstStyle/>
           <a:p>
             <a:pPr algn="ctr"/>
-            <a:r>
-              <a:rPr lang="en-US" altLang="zh-CN" dirty="0"/>
-              <a:t>P</a:t>
-            </a:r>
-            <a:r>
-              <a:rPr lang="en-US" altLang="zh-CN" dirty="0" smtClean="0"/>
-              <a:t>luggable </a:t>
-            </a:r>
-          </a:p>
-          <a:p>
-            <a:pPr algn="ctr"/>
-            <a:r>
-              <a:rPr lang="en-US" altLang="zh-CN" dirty="0" smtClean="0"/>
-              <a:t>Other…</a:t>
-            </a:r>
-            <a:endParaRPr lang="zh-CN" altLang="en-US" dirty="0"/>
-          </a:p>
-        </p:txBody>
-      </p:sp>
-      <p:sp>
-        <p:nvSpPr>
-          <p:cNvPr id="69" name="下箭头 68"/>
+            <a:endParaRPr lang="zh-CN" altLang="en-US"/>
+          </a:p>
+        </p:txBody>
+      </p:sp>
+      <p:sp>
+        <p:nvSpPr>
+          <p:cNvPr id="10" name="圆角矩形 9"/>
           <p:cNvSpPr/>
           <p:nvPr/>
         </p:nvSpPr>
         <p:spPr>
           <a:xfrm>
-            <a:off x="4294950" y="1071546"/>
-            <a:ext cx="357190" cy="342442"/>
-          </a:xfrm>
-          <a:prstGeom prst="downArrow">
+            <a:off x="1217930" y="1396365"/>
+            <a:ext cx="1868805" cy="800735"/>
+          </a:xfrm>
+          <a:prstGeom prst="roundRect">
             <a:avLst/>
           </a:prstGeom>
-          <a:solidFill>
-            <a:schemeClr val="bg2">
-              <a:lumMod val="90000"/>
-            </a:schemeClr>
-          </a:solidFill>
         </p:spPr>
         <p:style>
           <a:lnRef idx="2">
@@ -4885,333 +4883,22 @@
           <a:lstStyle/>
           <a:p>
             <a:pPr algn="ctr"/>
-            <a:endParaRPr lang="zh-CN" altLang="en-US"/>
-          </a:p>
-        </p:txBody>
-      </p:sp>
-      <p:sp>
-        <p:nvSpPr>
-          <p:cNvPr id="70" name="下箭头 69"/>
-          <p:cNvSpPr/>
-          <p:nvPr/>
-        </p:nvSpPr>
-        <p:spPr>
-          <a:xfrm>
-            <a:off x="4294950" y="2229302"/>
-            <a:ext cx="357190" cy="342442"/>
-          </a:xfrm>
-          <a:prstGeom prst="downArrow">
-            <a:avLst/>
-          </a:prstGeom>
-          <a:solidFill>
-            <a:schemeClr val="bg2">
-              <a:lumMod val="90000"/>
-            </a:schemeClr>
-          </a:solidFill>
-        </p:spPr>
-        <p:style>
-          <a:lnRef idx="2">
-            <a:schemeClr val="accent1">
-              <a:shade val="50000"/>
-            </a:schemeClr>
-          </a:lnRef>
-          <a:fillRef idx="1">
-            <a:schemeClr val="accent1"/>
-          </a:fillRef>
-          <a:effectRef idx="0">
-            <a:schemeClr val="accent1"/>
-          </a:effectRef>
-          <a:fontRef idx="minor">
-            <a:schemeClr val="lt1"/>
-          </a:fontRef>
-        </p:style>
-        <p:txBody>
-          <a:bodyPr rtlCol="0" anchor="ctr"/>
-          <a:lstStyle/>
-          <a:p>
-            <a:pPr algn="ctr"/>
-            <a:endParaRPr lang="zh-CN" altLang="en-US"/>
-          </a:p>
-        </p:txBody>
-      </p:sp>
-      <p:sp>
-        <p:nvSpPr>
-          <p:cNvPr id="49" name="圆角矩形 48"/>
-          <p:cNvSpPr/>
-          <p:nvPr/>
-        </p:nvSpPr>
-        <p:spPr>
-          <a:xfrm>
-            <a:off x="2691516" y="5072074"/>
-            <a:ext cx="1285884" cy="714380"/>
-          </a:xfrm>
-          <a:prstGeom prst="roundRect">
-            <a:avLst/>
-          </a:prstGeom>
-          <a:solidFill>
-            <a:schemeClr val="accent3">
-              <a:lumMod val="50000"/>
-            </a:schemeClr>
-          </a:solidFill>
-        </p:spPr>
-        <p:style>
-          <a:lnRef idx="2">
-            <a:schemeClr val="accent1">
-              <a:shade val="50000"/>
-            </a:schemeClr>
-          </a:lnRef>
-          <a:fillRef idx="1">
-            <a:schemeClr val="accent1"/>
-          </a:fillRef>
-          <a:effectRef idx="0">
-            <a:schemeClr val="accent1"/>
-          </a:effectRef>
-          <a:fontRef idx="minor">
-            <a:schemeClr val="lt1"/>
-          </a:fontRef>
-        </p:style>
-        <p:txBody>
-          <a:bodyPr rtlCol="0" anchor="ctr"/>
-          <a:lstStyle/>
-          <a:p>
-            <a:pPr algn="ctr"/>
-            <a:r>
-              <a:rPr lang="en-US" altLang="zh-CN" dirty="0" smtClean="0"/>
-              <a:t>AOTE</a:t>
-            </a:r>
-            <a:endParaRPr lang="zh-CN" altLang="en-US" dirty="0"/>
-          </a:p>
-        </p:txBody>
-      </p:sp>
-      <p:sp>
-        <p:nvSpPr>
-          <p:cNvPr id="53" name="下箭头 52"/>
-          <p:cNvSpPr/>
-          <p:nvPr/>
-        </p:nvSpPr>
-        <p:spPr>
-          <a:xfrm>
-            <a:off x="3174532" y="4714884"/>
-            <a:ext cx="357190" cy="342442"/>
-          </a:xfrm>
-          <a:prstGeom prst="downArrow">
-            <a:avLst/>
-          </a:prstGeom>
-          <a:solidFill>
-            <a:schemeClr val="bg2">
-              <a:lumMod val="90000"/>
-            </a:schemeClr>
-          </a:solidFill>
-        </p:spPr>
-        <p:style>
-          <a:lnRef idx="2">
-            <a:schemeClr val="accent1">
-              <a:shade val="50000"/>
-            </a:schemeClr>
-          </a:lnRef>
-          <a:fillRef idx="1">
-            <a:schemeClr val="accent1"/>
-          </a:fillRef>
-          <a:effectRef idx="0">
-            <a:schemeClr val="accent1"/>
-          </a:effectRef>
-          <a:fontRef idx="minor">
-            <a:schemeClr val="lt1"/>
-          </a:fontRef>
-        </p:style>
-        <p:txBody>
-          <a:bodyPr rtlCol="0" anchor="ctr"/>
-          <a:lstStyle/>
-          <a:p>
-            <a:pPr algn="ctr"/>
-            <a:endParaRPr lang="zh-CN" altLang="en-US"/>
-          </a:p>
-        </p:txBody>
-      </p:sp>
-      <p:sp>
-        <p:nvSpPr>
-          <p:cNvPr id="54" name="下箭头 53"/>
-          <p:cNvSpPr/>
-          <p:nvPr/>
-        </p:nvSpPr>
-        <p:spPr>
-          <a:xfrm>
-            <a:off x="3174532" y="5786454"/>
-            <a:ext cx="357190" cy="342442"/>
-          </a:xfrm>
-          <a:prstGeom prst="downArrow">
-            <a:avLst/>
-          </a:prstGeom>
-          <a:solidFill>
-            <a:schemeClr val="bg2">
-              <a:lumMod val="90000"/>
-            </a:schemeClr>
-          </a:solidFill>
-        </p:spPr>
-        <p:style>
-          <a:lnRef idx="2">
-            <a:schemeClr val="accent1">
-              <a:shade val="50000"/>
-            </a:schemeClr>
-          </a:lnRef>
-          <a:fillRef idx="1">
-            <a:schemeClr val="accent1"/>
-          </a:fillRef>
-          <a:effectRef idx="0">
-            <a:schemeClr val="accent1"/>
-          </a:effectRef>
-          <a:fontRef idx="minor">
-            <a:schemeClr val="lt1"/>
-          </a:fontRef>
-        </p:style>
-        <p:txBody>
-          <a:bodyPr rtlCol="0" anchor="ctr"/>
-          <a:lstStyle/>
-          <a:p>
-            <a:pPr algn="ctr"/>
-            <a:endParaRPr lang="zh-CN" altLang="en-US"/>
-          </a:p>
-        </p:txBody>
-      </p:sp>
-      <p:sp>
-        <p:nvSpPr>
-          <p:cNvPr id="63" name="圆角矩形 62"/>
-          <p:cNvSpPr/>
-          <p:nvPr/>
-        </p:nvSpPr>
-        <p:spPr>
-          <a:xfrm>
-            <a:off x="2674466" y="6916992"/>
-            <a:ext cx="1397468" cy="857256"/>
-          </a:xfrm>
-          <a:prstGeom prst="roundRect">
-            <a:avLst/>
-          </a:prstGeom>
-          <a:solidFill>
-            <a:schemeClr val="accent2">
-              <a:lumMod val="50000"/>
-            </a:schemeClr>
-          </a:solidFill>
-        </p:spPr>
-        <p:style>
-          <a:lnRef idx="2">
-            <a:schemeClr val="accent1">
-              <a:shade val="50000"/>
-            </a:schemeClr>
-          </a:lnRef>
-          <a:fillRef idx="1">
-            <a:schemeClr val="accent1"/>
-          </a:fillRef>
-          <a:effectRef idx="0">
-            <a:schemeClr val="accent1"/>
-          </a:effectRef>
-          <a:fontRef idx="minor">
-            <a:schemeClr val="lt1"/>
-          </a:fontRef>
-        </p:style>
-        <p:txBody>
-          <a:bodyPr rtlCol="0" anchor="ctr"/>
-          <a:lstStyle/>
-          <a:p>
-            <a:pPr algn="ctr"/>
-            <a:r>
-              <a:rPr lang="en-US" altLang="zh-CN" dirty="0" smtClean="0"/>
-              <a:t>AOSE</a:t>
-            </a:r>
-          </a:p>
-        </p:txBody>
-      </p:sp>
-      <p:sp>
-        <p:nvSpPr>
-          <p:cNvPr id="67" name="下箭头 66"/>
-          <p:cNvSpPr/>
-          <p:nvPr/>
-        </p:nvSpPr>
-        <p:spPr>
-          <a:xfrm>
-            <a:off x="3174532" y="6587020"/>
-            <a:ext cx="357190" cy="342442"/>
-          </a:xfrm>
-          <a:prstGeom prst="downArrow">
-            <a:avLst/>
-          </a:prstGeom>
-          <a:solidFill>
-            <a:schemeClr val="bg2">
-              <a:lumMod val="90000"/>
-            </a:schemeClr>
-          </a:solidFill>
-        </p:spPr>
-        <p:style>
-          <a:lnRef idx="2">
-            <a:schemeClr val="accent1">
-              <a:shade val="50000"/>
-            </a:schemeClr>
-          </a:lnRef>
-          <a:fillRef idx="1">
-            <a:schemeClr val="accent1"/>
-          </a:fillRef>
-          <a:effectRef idx="0">
-            <a:schemeClr val="accent1"/>
-          </a:effectRef>
-          <a:fontRef idx="minor">
-            <a:schemeClr val="lt1"/>
-          </a:fontRef>
-        </p:style>
-        <p:txBody>
-          <a:bodyPr rtlCol="0" anchor="ctr"/>
-          <a:lstStyle/>
-          <a:p>
-            <a:pPr algn="ctr"/>
-            <a:endParaRPr lang="zh-CN" altLang="en-US"/>
-          </a:p>
-        </p:txBody>
-      </p:sp>
-      <p:sp>
-        <p:nvSpPr>
-          <p:cNvPr id="72" name="左箭头 71"/>
-          <p:cNvSpPr/>
-          <p:nvPr/>
-        </p:nvSpPr>
-        <p:spPr>
-          <a:xfrm>
-            <a:off x="2185050" y="1571612"/>
-            <a:ext cx="184818" cy="428628"/>
-          </a:xfrm>
-          <a:prstGeom prst="leftArrow">
-            <a:avLst/>
-          </a:prstGeom>
-          <a:solidFill>
-            <a:schemeClr val="accent4"/>
-          </a:solidFill>
-        </p:spPr>
-        <p:style>
-          <a:lnRef idx="2">
-            <a:schemeClr val="accent1">
-              <a:shade val="50000"/>
-            </a:schemeClr>
-          </a:lnRef>
-          <a:fillRef idx="1">
-            <a:schemeClr val="accent1"/>
-          </a:fillRef>
-          <a:effectRef idx="0">
-            <a:schemeClr val="accent1"/>
-          </a:effectRef>
-          <a:fontRef idx="minor">
-            <a:schemeClr val="lt1"/>
-          </a:fontRef>
-        </p:style>
-        <p:txBody>
-          <a:bodyPr rtlCol="0" anchor="ctr"/>
-          <a:lstStyle/>
-          <a:p>
-            <a:pPr algn="ctr"/>
-            <a:endParaRPr lang="zh-CN" altLang="en-US" dirty="0">
+            <a:r>
+              <a:rPr lang="en-US" altLang="zh-CN" sz="1600" dirty="0" smtClean="0">
+                <a:solidFill>
+                  <a:schemeClr val="bg1"/>
+                </a:solidFill>
+                <a:uFillTx/>
+                <a:sym typeface="+mn-ea"/>
+              </a:rPr>
+              <a:t>MySQL Engine</a:t>
+            </a:r>
+            <a:endParaRPr lang="en-US" altLang="zh-CN" sz="1600" dirty="0" smtClean="0">
               <a:solidFill>
-                <a:schemeClr val="accent3">
-                  <a:lumMod val="40000"/>
-                  <a:lumOff val="60000"/>
-                </a:schemeClr>
+                <a:schemeClr val="bg1"/>
               </a:solidFill>
+              <a:uFillTx/>
+              <a:sym typeface="+mn-ea"/>
             </a:endParaRPr>
           </a:p>
         </p:txBody>
@@ -5222,6 +4909,13 @@
     <a:masterClrMapping/>
   </p:clrMapOvr>
 </p:sld>
+</file>
+
+<file path=ppt/tags/tag1.xml><?xml version="1.0" encoding="utf-8"?>
+<p:tagLst xmlns:p="http://schemas.openxmlformats.org/presentationml/2006/main">
+  <p:tag name="KSO_WPP_MARK_KEY" val="bf4be76e-e26d-429c-9838-ad4957f7d09f"/>
+  <p:tag name="COMMONDATA" val="eyJoZGlkIjoiZGYyNzA1NjdkOWI4ZWNlNjllOTMyN2VlMWVjNjdkY2QifQ=="/>
+</p:tagLst>
 </file>
 
 <file path=ppt/theme/theme1.xml><?xml version="1.0" encoding="utf-8"?>
@@ -5502,7 +5196,10 @@
       </a:bgFillStyleLst>
     </a:fmtScheme>
   </a:themeElements>
-  <a:objectDefaults/>
-  <a:extraClrSchemeLst/>
+  <a:extLst>
+    <a:ext uri="{05A4C25C-085E-4340-85A3-A5531E510DB2}">
+      <thm15:themeFamily xmlns:thm15="http://schemas.microsoft.com/office/thememl/2012/main" name="Office Theme" id="{62F939B6-93AF-4DB8-9C6B-D6C7DFDC589F}" vid="{4A3C46E8-61CC-4603-A589-7422A47A8E4A}"/>
+    </a:ext>
+  </a:extLst>
 </a:theme>
 </file>